--- a/media/products/Presentation2.pptx
+++ b/media/products/Presentation2.pptx
@@ -3321,87 +3321,174 @@
           <a:chExt cx="0" cy="0"/>
         </a:xfrm>
       </p:grpSpPr>
-      <p:pic>
-        <p:nvPicPr>
-          <p:cNvPr id="5" name="Picture 4" descr="A logo of a shoe with wings&#10;&#10;Description automatically generated with low confidence">
-            <a:extLst>
-              <a:ext uri="{FF2B5EF4-FFF2-40B4-BE49-F238E27FC236}">
-                <a16:creationId xmlns:a16="http://schemas.microsoft.com/office/drawing/2014/main" id="{0DA2BC5F-1DEF-A581-7C41-8E8755CC8FC7}"/>
-              </a:ext>
-            </a:extLst>
-          </p:cNvPr>
-          <p:cNvPicPr>
-            <a:picLocks noChangeAspect="1"/>
-          </p:cNvPicPr>
+      <p:grpSp>
+        <p:nvGrpSpPr>
+          <p:cNvPr id="9" name="Group 8">
+            <a:extLst>
+              <a:ext uri="{FF2B5EF4-FFF2-40B4-BE49-F238E27FC236}">
+                <a16:creationId xmlns:a16="http://schemas.microsoft.com/office/drawing/2014/main" id="{5F78F4AF-3A56-4221-0297-623CCF95CC7A}"/>
+              </a:ext>
+            </a:extLst>
+          </p:cNvPr>
+          <p:cNvGrpSpPr/>
           <p:nvPr/>
-        </p:nvPicPr>
-        <p:blipFill>
-          <a:blip r:embed="rId2"/>
-          <a:stretch>
-            <a:fillRect/>
-          </a:stretch>
-        </p:blipFill>
-        <p:spPr>
+        </p:nvGrpSpPr>
+        <p:grpSpPr>
           <a:xfrm>
-            <a:off x="2546350" y="1403350"/>
-            <a:ext cx="7099300" cy="4051300"/>
+            <a:off x="1809296" y="1045059"/>
+            <a:ext cx="7135362" cy="4293475"/>
+            <a:chOff x="4654096" y="1306316"/>
+            <a:chExt cx="7135362" cy="4293475"/>
           </a:xfrm>
-          <a:prstGeom prst="rect">
-            <a:avLst/>
-          </a:prstGeom>
-        </p:spPr>
-      </p:pic>
-      <p:sp>
-        <p:nvSpPr>
-          <p:cNvPr id="6" name="TextBox 5">
-            <a:extLst>
-              <a:ext uri="{FF2B5EF4-FFF2-40B4-BE49-F238E27FC236}">
-                <a16:creationId xmlns:a16="http://schemas.microsoft.com/office/drawing/2014/main" id="{C54BDB01-CAC2-811F-0DDC-6ECEBC909C58}"/>
-              </a:ext>
-            </a:extLst>
-          </p:cNvPr>
-          <p:cNvSpPr txBox="1"/>
-          <p:nvPr/>
-        </p:nvSpPr>
-        <p:spPr>
-          <a:xfrm>
-            <a:off x="3236515" y="1403350"/>
-            <a:ext cx="5718970" cy="1015663"/>
-          </a:xfrm>
-          <a:prstGeom prst="rect">
-            <a:avLst/>
-          </a:prstGeom>
-          <a:noFill/>
-        </p:spPr>
-        <p:txBody>
-          <a:bodyPr wrap="square" rtlCol="0">
-            <a:spAutoFit/>
-          </a:bodyPr>
-          <a:lstStyle/>
-          <a:p>
-            <a:pPr algn="ctr"/>
-            <a:r>
-              <a:rPr lang="en-US" sz="6000" b="1" kern="2000" spc="230" dirty="0" err="1">
-                <a:solidFill>
-                  <a:srgbClr val="FF0000"/>
-                </a:solidFill>
-                <a:latin typeface="b Bamboo Grove" panose="02000503000000000000" pitchFamily="2" charset="0"/>
-                <a:ea typeface="Apple Symbols" panose="02000000000000000000" pitchFamily="2" charset="-79"/>
-                <a:cs typeface="Baghdad" pitchFamily="2" charset="-78"/>
-              </a:rPr>
-              <a:t>WhoreDash</a:t>
-            </a:r>
-            <a:endParaRPr lang="en-US" sz="6000" b="1" kern="2000" spc="230" dirty="0">
-              <a:solidFill>
-                <a:srgbClr val="FF0000"/>
-              </a:solidFill>
-              <a:latin typeface="b Bamboo Grove" panose="02000503000000000000" pitchFamily="2" charset="0"/>
-              <a:ea typeface="Apple Symbols" panose="02000000000000000000" pitchFamily="2" charset="-79"/>
-              <a:cs typeface="Baghdad" pitchFamily="2" charset="-78"/>
-            </a:endParaRPr>
-          </a:p>
-        </p:txBody>
-      </p:sp>
+        </p:grpSpPr>
+        <p:grpSp>
+          <p:nvGrpSpPr>
+            <p:cNvPr id="7" name="Group 6">
+              <a:extLst>
+                <a:ext uri="{FF2B5EF4-FFF2-40B4-BE49-F238E27FC236}">
+                  <a16:creationId xmlns:a16="http://schemas.microsoft.com/office/drawing/2014/main" id="{DDA54AE2-D5AE-F54C-6672-EDD06B1B1FDC}"/>
+                </a:ext>
+              </a:extLst>
+            </p:cNvPr>
+            <p:cNvGrpSpPr/>
+            <p:nvPr/>
+          </p:nvGrpSpPr>
+          <p:grpSpPr>
+            <a:xfrm>
+              <a:off x="4654096" y="1306316"/>
+              <a:ext cx="7131500" cy="4293475"/>
+              <a:chOff x="2107746" y="1075630"/>
+              <a:chExt cx="7131500" cy="4293475"/>
+            </a:xfrm>
+          </p:grpSpPr>
+          <p:pic>
+            <p:nvPicPr>
+              <p:cNvPr id="5" name="Picture 4" descr="A logo of a shoe with wings&#10;&#10;Description automatically generated with low confidence">
+                <a:extLst>
+                  <a:ext uri="{FF2B5EF4-FFF2-40B4-BE49-F238E27FC236}">
+                    <a16:creationId xmlns:a16="http://schemas.microsoft.com/office/drawing/2014/main" id="{0DA2BC5F-1DEF-A581-7C41-8E8755CC8FC7}"/>
+                  </a:ext>
+                </a:extLst>
+              </p:cNvPr>
+              <p:cNvPicPr>
+                <a:picLocks noChangeAspect="1"/>
+              </p:cNvPicPr>
+              <p:nvPr/>
+            </p:nvPicPr>
+            <p:blipFill>
+              <a:blip r:embed="rId2"/>
+              <a:stretch>
+                <a:fillRect/>
+              </a:stretch>
+            </p:blipFill>
+            <p:spPr>
+              <a:xfrm>
+                <a:off x="2139946" y="1317805"/>
+                <a:ext cx="7099300" cy="4051300"/>
+              </a:xfrm>
+              <a:prstGeom prst="rect">
+                <a:avLst/>
+              </a:prstGeom>
+            </p:spPr>
+          </p:pic>
+          <p:sp>
+            <p:nvSpPr>
+              <p:cNvPr id="6" name="TextBox 5">
+                <a:extLst>
+                  <a:ext uri="{FF2B5EF4-FFF2-40B4-BE49-F238E27FC236}">
+                    <a16:creationId xmlns:a16="http://schemas.microsoft.com/office/drawing/2014/main" id="{C54BDB01-CAC2-811F-0DDC-6ECEBC909C58}"/>
+                  </a:ext>
+                </a:extLst>
+              </p:cNvPr>
+              <p:cNvSpPr txBox="1"/>
+              <p:nvPr/>
+            </p:nvSpPr>
+            <p:spPr>
+              <a:xfrm>
+                <a:off x="2107746" y="1075630"/>
+                <a:ext cx="5863772" cy="1200329"/>
+              </a:xfrm>
+              <a:prstGeom prst="rect">
+                <a:avLst/>
+              </a:prstGeom>
+              <a:noFill/>
+            </p:spPr>
+            <p:txBody>
+              <a:bodyPr wrap="square" rtlCol="0">
+                <a:spAutoFit/>
+              </a:bodyPr>
+              <a:lstStyle/>
+              <a:p>
+                <a:pPr algn="ctr"/>
+                <a:r>
+                  <a:rPr lang="en-US" sz="7200" b="1" kern="2000" spc="230" dirty="0" err="1">
+                    <a:solidFill>
+                      <a:schemeClr val="tx1">
+                        <a:lumMod val="85000"/>
+                        <a:lumOff val="15000"/>
+                      </a:schemeClr>
+                    </a:solidFill>
+                    <a:latin typeface="Berlin Sans FB Demi" panose="020F0502020204030204" pitchFamily="34" charset="0"/>
+                    <a:ea typeface="Apple Symbols" panose="02000000000000000000" pitchFamily="2" charset="-79"/>
+                    <a:cs typeface="Berlin Sans FB Demi" panose="020F0502020204030204" pitchFamily="34" charset="0"/>
+                  </a:rPr>
+                  <a:t>WhoreDash</a:t>
+                </a:r>
+                <a:endParaRPr lang="en-US" sz="7200" b="1" kern="2000" spc="230" dirty="0">
+                  <a:solidFill>
+                    <a:schemeClr val="tx1">
+                      <a:lumMod val="85000"/>
+                      <a:lumOff val="15000"/>
+                    </a:schemeClr>
+                  </a:solidFill>
+                  <a:latin typeface="Berlin Sans FB Demi" panose="020F0502020204030204" pitchFamily="34" charset="0"/>
+                  <a:ea typeface="Apple Symbols" panose="02000000000000000000" pitchFamily="2" charset="-79"/>
+                  <a:cs typeface="Berlin Sans FB Demi" panose="020F0502020204030204" pitchFamily="34" charset="0"/>
+                </a:endParaRPr>
+              </a:p>
+            </p:txBody>
+          </p:sp>
+        </p:grpSp>
+        <p:sp>
+          <p:nvSpPr>
+            <p:cNvPr id="8" name="TextBox 7">
+              <a:extLst>
+                <a:ext uri="{FF2B5EF4-FFF2-40B4-BE49-F238E27FC236}">
+                  <a16:creationId xmlns:a16="http://schemas.microsoft.com/office/drawing/2014/main" id="{B0A85AEE-E92C-6C3D-EF26-C51D4763799F}"/>
+                </a:ext>
+              </a:extLst>
+            </p:cNvPr>
+            <p:cNvSpPr txBox="1"/>
+            <p:nvPr/>
+          </p:nvSpPr>
+          <p:spPr>
+            <a:xfrm>
+              <a:off x="8578625" y="2481892"/>
+              <a:ext cx="3210833" cy="830997"/>
+            </a:xfrm>
+            <a:prstGeom prst="rect">
+              <a:avLst/>
+            </a:prstGeom>
+            <a:noFill/>
+          </p:spPr>
+          <p:txBody>
+            <a:bodyPr wrap="square" rtlCol="0">
+              <a:spAutoFit/>
+            </a:bodyPr>
+            <a:lstStyle/>
+            <a:p>
+              <a:pPr algn="r"/>
+              <a:r>
+                <a:rPr lang="en-US" sz="2400" b="1" dirty="0">
+                  <a:latin typeface="Arial Rounded MT Bold" panose="020F0704030504030204" pitchFamily="34" charset="77"/>
+                  <a:cs typeface="Al Bayan" pitchFamily="2" charset="-78"/>
+                </a:rPr>
+                <a:t>when taking a break is not an option</a:t>
+              </a:r>
+            </a:p>
+          </p:txBody>
+        </p:sp>
+      </p:grpSp>
     </p:spTree>
     <p:extLst>
       <p:ext uri="{BB962C8B-B14F-4D97-AF65-F5344CB8AC3E}">
